--- a/Weekly_sharing_Andrew.pptx
+++ b/Weekly_sharing_Andrew.pptx
@@ -10,9 +10,11 @@
     <p:sldId id="260" r:id="rId4"/>
     <p:sldId id="262" r:id="rId5"/>
     <p:sldId id="263" r:id="rId6"/>
-    <p:sldId id="264" r:id="rId7"/>
-    <p:sldId id="266" r:id="rId8"/>
-    <p:sldId id="267" r:id="rId9"/>
+    <p:sldId id="268" r:id="rId7"/>
+    <p:sldId id="269" r:id="rId8"/>
+    <p:sldId id="264" r:id="rId9"/>
+    <p:sldId id="266" r:id="rId10"/>
+    <p:sldId id="267" r:id="rId11"/>
   </p:sldIdLst>
   <p:sldSz cx="12192000" cy="6858000"/>
   <p:notesSz cx="6858000" cy="9144000"/>
@@ -111,6 +113,22 @@
       </a:defRPr>
     </a:lvl9pPr>
   </p:defaultTextStyle>
+  <p:extLst>
+    <p:ext uri="{EFAFB233-063F-42B5-8137-9DF3F51BA10A}">
+      <p15:sldGuideLst xmlns:p15="http://schemas.microsoft.com/office/powerpoint/2012/main">
+        <p15:guide id="1" orient="horz" pos="2160" userDrawn="1">
+          <p15:clr>
+            <a:srgbClr val="A4A3A4"/>
+          </p15:clr>
+        </p15:guide>
+        <p15:guide id="2" pos="3840" userDrawn="1">
+          <p15:clr>
+            <a:srgbClr val="A4A3A4"/>
+          </p15:clr>
+        </p15:guide>
+      </p15:sldGuideLst>
+    </p:ext>
+  </p:extLst>
 </p:presentation>
 </file>
 
@@ -3452,6 +3470,79 @@
 </p:sld>
 </file>
 
+<file path=ppt/slides/slide10.xml><?xml version="1.0" encoding="utf-8"?>
+<p:sld xmlns:a="http://schemas.openxmlformats.org/drawingml/2006/main" xmlns:r="http://schemas.openxmlformats.org/officeDocument/2006/relationships" xmlns:p="http://schemas.openxmlformats.org/presentationml/2006/main">
+  <p:cSld>
+    <p:spTree>
+      <p:nvGrpSpPr>
+        <p:cNvPr id="1" name=""/>
+        <p:cNvGrpSpPr/>
+        <p:nvPr/>
+      </p:nvGrpSpPr>
+      <p:grpSpPr>
+        <a:xfrm>
+          <a:off x="0" y="0"/>
+          <a:ext cx="0" cy="0"/>
+          <a:chOff x="0" y="0"/>
+          <a:chExt cx="0" cy="0"/>
+        </a:xfrm>
+      </p:grpSpPr>
+      <p:sp>
+        <p:nvSpPr>
+          <p:cNvPr id="3" name="TextBox 2">
+            <a:extLst>
+              <a:ext uri="{FF2B5EF4-FFF2-40B4-BE49-F238E27FC236}">
+                <a16:creationId xmlns:a16="http://schemas.microsoft.com/office/drawing/2014/main" id="{5549798D-202A-4EE6-B5DD-BE25C8E459C2}"/>
+              </a:ext>
+            </a:extLst>
+          </p:cNvPr>
+          <p:cNvSpPr txBox="1"/>
+          <p:nvPr/>
+        </p:nvSpPr>
+        <p:spPr>
+          <a:xfrm>
+            <a:off x="5008605" y="2921169"/>
+            <a:ext cx="2174790" cy="1015663"/>
+          </a:xfrm>
+          <a:prstGeom prst="rect">
+            <a:avLst/>
+          </a:prstGeom>
+          <a:noFill/>
+        </p:spPr>
+        <p:txBody>
+          <a:bodyPr wrap="square" rtlCol="0">
+            <a:spAutoFit/>
+          </a:bodyPr>
+          <a:lstStyle/>
+          <a:p>
+            <a:pPr algn="ctr"/>
+            <a:r>
+              <a:rPr lang="en-US" sz="6000" dirty="0">
+                <a:solidFill>
+                  <a:srgbClr val="51504F"/>
+                </a:solidFill>
+                <a:latin typeface="rubik"/>
+                <a:ea typeface="+mj-ea"/>
+                <a:cs typeface="+mj-cs"/>
+              </a:rPr>
+              <a:t>Demo</a:t>
+            </a:r>
+          </a:p>
+        </p:txBody>
+      </p:sp>
+    </p:spTree>
+    <p:extLst>
+      <p:ext uri="{BB962C8B-B14F-4D97-AF65-F5344CB8AC3E}">
+        <p14:creationId xmlns:p14="http://schemas.microsoft.com/office/powerpoint/2010/main" val="2951111268"/>
+      </p:ext>
+    </p:extLst>
+  </p:cSld>
+  <p:clrMapOvr>
+    <a:masterClrMapping/>
+  </p:clrMapOvr>
+</p:sld>
+</file>
+
 <file path=ppt/slides/slide2.xml><?xml version="1.0" encoding="utf-8"?>
 <p:sld xmlns:a="http://schemas.openxmlformats.org/drawingml/2006/main" xmlns:r="http://schemas.openxmlformats.org/officeDocument/2006/relationships" xmlns:p="http://schemas.openxmlformats.org/presentationml/2006/main">
   <p:cSld>
@@ -3903,7 +3994,7 @@
         </p:nvGrpSpPr>
         <p:grpSpPr>
           <a:xfrm>
-            <a:off x="1536356" y="1542129"/>
+            <a:off x="1612556" y="1542129"/>
             <a:ext cx="8966888" cy="3773743"/>
             <a:chOff x="1536356" y="2311570"/>
             <a:chExt cx="8966888" cy="3773743"/>
@@ -4511,6 +4602,637 @@
         </p:nvGrpSpPr>
         <p:grpSpPr>
           <a:xfrm>
+            <a:off x="1409863" y="1542129"/>
+            <a:ext cx="9372275" cy="3773743"/>
+            <a:chOff x="1536357" y="2311570"/>
+            <a:chExt cx="9372275" cy="3773743"/>
+          </a:xfrm>
+        </p:grpSpPr>
+        <p:sp>
+          <p:nvSpPr>
+            <p:cNvPr id="12" name="TextBox 11">
+              <a:extLst>
+                <a:ext uri="{FF2B5EF4-FFF2-40B4-BE49-F238E27FC236}">
+                  <a16:creationId xmlns:a16="http://schemas.microsoft.com/office/drawing/2014/main" id="{022E0613-C528-4069-9A60-3A49A10B9B39}"/>
+                </a:ext>
+              </a:extLst>
+            </p:cNvPr>
+            <p:cNvSpPr txBox="1"/>
+            <p:nvPr/>
+          </p:nvSpPr>
+          <p:spPr>
+            <a:xfrm>
+              <a:off x="1536357" y="2311570"/>
+              <a:ext cx="7628238" cy="707886"/>
+            </a:xfrm>
+            <a:prstGeom prst="rect">
+              <a:avLst/>
+            </a:prstGeom>
+            <a:noFill/>
+          </p:spPr>
+          <p:txBody>
+            <a:bodyPr wrap="square" rtlCol="0">
+              <a:spAutoFit/>
+            </a:bodyPr>
+            <a:lstStyle/>
+            <a:p>
+              <a:r>
+                <a:rPr lang="en-US" sz="4000" dirty="0">
+                  <a:solidFill>
+                    <a:srgbClr val="51504F"/>
+                  </a:solidFill>
+                  <a:latin typeface="Candara" panose="020E0502030303020204" pitchFamily="34" charset="0"/>
+                  <a:ea typeface="+mj-ea"/>
+                  <a:cs typeface="+mj-cs"/>
+                </a:rPr>
+                <a:t>Important concepts</a:t>
+              </a:r>
+            </a:p>
+          </p:txBody>
+        </p:sp>
+        <p:sp>
+          <p:nvSpPr>
+            <p:cNvPr id="13" name="TextBox 12">
+              <a:extLst>
+                <a:ext uri="{FF2B5EF4-FFF2-40B4-BE49-F238E27FC236}">
+                  <a16:creationId xmlns:a16="http://schemas.microsoft.com/office/drawing/2014/main" id="{41DE88DF-36FD-4098-A4D8-6993589466F7}"/>
+                </a:ext>
+              </a:extLst>
+            </p:cNvPr>
+            <p:cNvSpPr txBox="1"/>
+            <p:nvPr/>
+          </p:nvSpPr>
+          <p:spPr>
+            <a:xfrm>
+              <a:off x="1536357" y="3530768"/>
+              <a:ext cx="9372275" cy="2554545"/>
+            </a:xfrm>
+            <a:prstGeom prst="rect">
+              <a:avLst/>
+            </a:prstGeom>
+            <a:noFill/>
+          </p:spPr>
+          <p:txBody>
+            <a:bodyPr wrap="square" rtlCol="0">
+              <a:spAutoFit/>
+            </a:bodyPr>
+            <a:lstStyle/>
+            <a:p>
+              <a:pPr marL="342900" indent="-342900" algn="l">
+                <a:buFont typeface="Arial" panose="020B0604020202020204" pitchFamily="34" charset="0"/>
+                <a:buChar char="•"/>
+              </a:pPr>
+              <a:r>
+                <a:rPr lang="en-US" sz="2000" b="0" i="0" dirty="0">
+                  <a:solidFill>
+                    <a:srgbClr val="707070"/>
+                  </a:solidFill>
+                  <a:effectLst/>
+                  <a:latin typeface="roboto"/>
+                </a:rPr>
+                <a:t>DAG: Workflows are called DAGs (Directed Acyclic Graph): No cycles, one dir</a:t>
+              </a:r>
+              <a:r>
+                <a:rPr lang="en-US" sz="2000" dirty="0">
+                  <a:solidFill>
+                    <a:srgbClr val="707070"/>
+                  </a:solidFill>
+                  <a:latin typeface="roboto"/>
+                </a:rPr>
+                <a:t>ection.</a:t>
+              </a:r>
+            </a:p>
+            <a:p>
+              <a:pPr marL="342900" indent="-342900" algn="l">
+                <a:buFont typeface="Arial" panose="020B0604020202020204" pitchFamily="34" charset="0"/>
+                <a:buChar char="•"/>
+              </a:pPr>
+              <a:endParaRPr lang="en-US" sz="2000" dirty="0">
+                <a:solidFill>
+                  <a:srgbClr val="707070"/>
+                </a:solidFill>
+                <a:latin typeface="roboto"/>
+              </a:endParaRPr>
+            </a:p>
+            <a:p>
+              <a:pPr marL="342900" indent="-342900" algn="l">
+                <a:buFont typeface="Arial" panose="020B0604020202020204" pitchFamily="34" charset="0"/>
+                <a:buChar char="•"/>
+              </a:pPr>
+              <a:r>
+                <a:rPr lang="en-US" sz="2000" b="0" i="0" dirty="0">
+                  <a:solidFill>
+                    <a:srgbClr val="707070"/>
+                  </a:solidFill>
+                  <a:effectLst/>
+                  <a:latin typeface="roboto"/>
+                </a:rPr>
+                <a:t>Operator: DAGs do not perform any actual computation. Instead, Operators determine what actually gets done.</a:t>
+              </a:r>
+            </a:p>
+            <a:p>
+              <a:pPr marL="342900" indent="-342900" algn="l">
+                <a:buFont typeface="Arial" panose="020B0604020202020204" pitchFamily="34" charset="0"/>
+                <a:buChar char="•"/>
+              </a:pPr>
+              <a:endParaRPr lang="en-US" sz="2000" b="0" i="0" dirty="0">
+                <a:solidFill>
+                  <a:srgbClr val="707070"/>
+                </a:solidFill>
+                <a:effectLst/>
+                <a:latin typeface="roboto"/>
+              </a:endParaRPr>
+            </a:p>
+            <a:p>
+              <a:pPr marL="342900" indent="-342900" algn="l">
+                <a:buFont typeface="Arial" panose="020B0604020202020204" pitchFamily="34" charset="0"/>
+                <a:buChar char="•"/>
+              </a:pPr>
+              <a:r>
+                <a:rPr lang="en-US" sz="2000" dirty="0">
+                  <a:solidFill>
+                    <a:srgbClr val="707070"/>
+                  </a:solidFill>
+                  <a:latin typeface="roboto"/>
+                </a:rPr>
+                <a:t>Task: Once an operator is instantiated, it is referred to as a ‘task’. An operator describes a single task in a workflow.</a:t>
+              </a:r>
+              <a:endParaRPr lang="en-US" sz="2000" b="0" i="0" dirty="0">
+                <a:solidFill>
+                  <a:srgbClr val="707070"/>
+                </a:solidFill>
+                <a:effectLst/>
+                <a:latin typeface="roboto"/>
+              </a:endParaRPr>
+            </a:p>
+          </p:txBody>
+        </p:sp>
+      </p:grpSp>
+      <p:pic>
+        <p:nvPicPr>
+          <p:cNvPr id="5" name="Picture 4">
+            <a:extLst>
+              <a:ext uri="{FF2B5EF4-FFF2-40B4-BE49-F238E27FC236}">
+                <a16:creationId xmlns:a16="http://schemas.microsoft.com/office/drawing/2014/main" id="{109A88D2-106A-4FCC-948C-EC44E7FA029E}"/>
+              </a:ext>
+            </a:extLst>
+          </p:cNvPr>
+          <p:cNvPicPr>
+            <a:picLocks noChangeAspect="1"/>
+          </p:cNvPicPr>
+          <p:nvPr/>
+        </p:nvPicPr>
+        <p:blipFill>
+          <a:blip r:embed="rId2"/>
+          <a:stretch>
+            <a:fillRect/>
+          </a:stretch>
+        </p:blipFill>
+        <p:spPr>
+          <a:xfrm>
+            <a:off x="10944599" y="198118"/>
+            <a:ext cx="1006768" cy="386768"/>
+          </a:xfrm>
+          <a:prstGeom prst="rect">
+            <a:avLst/>
+          </a:prstGeom>
+        </p:spPr>
+      </p:pic>
+    </p:spTree>
+    <p:extLst>
+      <p:ext uri="{BB962C8B-B14F-4D97-AF65-F5344CB8AC3E}">
+        <p14:creationId xmlns:p14="http://schemas.microsoft.com/office/powerpoint/2010/main" val="1701279190"/>
+      </p:ext>
+    </p:extLst>
+  </p:cSld>
+  <p:clrMapOvr>
+    <a:masterClrMapping/>
+  </p:clrMapOvr>
+</p:sld>
+</file>
+
+<file path=ppt/slides/slide7.xml><?xml version="1.0" encoding="utf-8"?>
+<p:sld xmlns:a="http://schemas.openxmlformats.org/drawingml/2006/main" xmlns:r="http://schemas.openxmlformats.org/officeDocument/2006/relationships" xmlns:p="http://schemas.openxmlformats.org/presentationml/2006/main">
+  <p:cSld>
+    <p:spTree>
+      <p:nvGrpSpPr>
+        <p:cNvPr id="1" name=""/>
+        <p:cNvGrpSpPr/>
+        <p:nvPr/>
+      </p:nvGrpSpPr>
+      <p:grpSpPr>
+        <a:xfrm>
+          <a:off x="0" y="0"/>
+          <a:ext cx="0" cy="0"/>
+          <a:chOff x="0" y="0"/>
+          <a:chExt cx="0" cy="0"/>
+        </a:xfrm>
+      </p:grpSpPr>
+      <p:grpSp>
+        <p:nvGrpSpPr>
+          <p:cNvPr id="2" name="Group 1">
+            <a:extLst>
+              <a:ext uri="{FF2B5EF4-FFF2-40B4-BE49-F238E27FC236}">
+                <a16:creationId xmlns:a16="http://schemas.microsoft.com/office/drawing/2014/main" id="{1CF03778-D19B-41AE-85CB-8E98D772007F}"/>
+              </a:ext>
+            </a:extLst>
+          </p:cNvPr>
+          <p:cNvGrpSpPr/>
+          <p:nvPr/>
+        </p:nvGrpSpPr>
+        <p:grpSpPr>
+          <a:xfrm>
+            <a:off x="1409863" y="1036745"/>
+            <a:ext cx="9372275" cy="4784511"/>
+            <a:chOff x="1536357" y="2485742"/>
+            <a:chExt cx="9372275" cy="4784511"/>
+          </a:xfrm>
+        </p:grpSpPr>
+        <p:sp>
+          <p:nvSpPr>
+            <p:cNvPr id="12" name="TextBox 11">
+              <a:extLst>
+                <a:ext uri="{FF2B5EF4-FFF2-40B4-BE49-F238E27FC236}">
+                  <a16:creationId xmlns:a16="http://schemas.microsoft.com/office/drawing/2014/main" id="{022E0613-C528-4069-9A60-3A49A10B9B39}"/>
+                </a:ext>
+              </a:extLst>
+            </p:cNvPr>
+            <p:cNvSpPr txBox="1"/>
+            <p:nvPr/>
+          </p:nvSpPr>
+          <p:spPr>
+            <a:xfrm>
+              <a:off x="1536357" y="2485742"/>
+              <a:ext cx="7628238" cy="707886"/>
+            </a:xfrm>
+            <a:prstGeom prst="rect">
+              <a:avLst/>
+            </a:prstGeom>
+            <a:noFill/>
+          </p:spPr>
+          <p:txBody>
+            <a:bodyPr wrap="square" rtlCol="0">
+              <a:spAutoFit/>
+            </a:bodyPr>
+            <a:lstStyle/>
+            <a:p>
+              <a:r>
+                <a:rPr lang="en-US" sz="4000" dirty="0">
+                  <a:solidFill>
+                    <a:srgbClr val="51504F"/>
+                  </a:solidFill>
+                  <a:latin typeface="Candara" panose="020E0502030303020204" pitchFamily="34" charset="0"/>
+                  <a:ea typeface="+mj-ea"/>
+                  <a:cs typeface="+mj-cs"/>
+                </a:rPr>
+                <a:t>Some useful </a:t>
+              </a:r>
+              <a:r>
+                <a:rPr lang="en-US" sz="4000" b="0" i="0" dirty="0">
+                  <a:solidFill>
+                    <a:srgbClr val="707070"/>
+                  </a:solidFill>
+                  <a:effectLst/>
+                  <a:latin typeface="roboto"/>
+                </a:rPr>
+                <a:t>Operator</a:t>
+              </a:r>
+              <a:endParaRPr lang="en-US" sz="4000" dirty="0">
+                <a:solidFill>
+                  <a:srgbClr val="51504F"/>
+                </a:solidFill>
+                <a:latin typeface="Candara" panose="020E0502030303020204" pitchFamily="34" charset="0"/>
+                <a:ea typeface="+mj-ea"/>
+                <a:cs typeface="+mj-cs"/>
+              </a:endParaRPr>
+            </a:p>
+          </p:txBody>
+        </p:sp>
+        <p:sp>
+          <p:nvSpPr>
+            <p:cNvPr id="13" name="TextBox 12">
+              <a:extLst>
+                <a:ext uri="{FF2B5EF4-FFF2-40B4-BE49-F238E27FC236}">
+                  <a16:creationId xmlns:a16="http://schemas.microsoft.com/office/drawing/2014/main" id="{41DE88DF-36FD-4098-A4D8-6993589466F7}"/>
+                </a:ext>
+              </a:extLst>
+            </p:cNvPr>
+            <p:cNvSpPr txBox="1"/>
+            <p:nvPr/>
+          </p:nvSpPr>
+          <p:spPr>
+            <a:xfrm>
+              <a:off x="1536357" y="3484601"/>
+              <a:ext cx="9372275" cy="3785652"/>
+            </a:xfrm>
+            <a:prstGeom prst="rect">
+              <a:avLst/>
+            </a:prstGeom>
+            <a:noFill/>
+          </p:spPr>
+          <p:txBody>
+            <a:bodyPr wrap="square" rtlCol="0">
+              <a:spAutoFit/>
+            </a:bodyPr>
+            <a:lstStyle/>
+            <a:p>
+              <a:pPr marL="342900" indent="-342900" algn="l">
+                <a:buFont typeface="Arial" panose="020B0604020202020204" pitchFamily="34" charset="0"/>
+                <a:buChar char="•"/>
+              </a:pPr>
+              <a:r>
+                <a:rPr lang="en-US" sz="2000" b="0" i="0" dirty="0">
+                  <a:solidFill>
+                    <a:srgbClr val="707070"/>
+                  </a:solidFill>
+                  <a:effectLst/>
+                  <a:latin typeface="roboto"/>
+                </a:rPr>
+                <a:t>Sensors: a certain type of operator that will keep running until a certain criteria is met</a:t>
+              </a:r>
+            </a:p>
+            <a:p>
+              <a:pPr marL="800100" lvl="1" indent="-342900">
+                <a:buFont typeface="Arial" panose="020B0604020202020204" pitchFamily="34" charset="0"/>
+                <a:buChar char="•"/>
+              </a:pPr>
+              <a:r>
+                <a:rPr lang="en-US" sz="2000" dirty="0" err="1">
+                  <a:solidFill>
+                    <a:srgbClr val="707070"/>
+                  </a:solidFill>
+                  <a:latin typeface="roboto"/>
+                </a:rPr>
+                <a:t>HDFSSensor</a:t>
+              </a:r>
+              <a:r>
+                <a:rPr lang="en-US" sz="2000" dirty="0">
+                  <a:solidFill>
+                    <a:srgbClr val="707070"/>
+                  </a:solidFill>
+                  <a:latin typeface="roboto"/>
+                </a:rPr>
+                <a:t>: Wait for a file or folder </a:t>
+              </a:r>
+              <a:r>
+                <a:rPr lang="en-US" sz="2000" dirty="0" err="1">
+                  <a:solidFill>
+                    <a:srgbClr val="707070"/>
+                  </a:solidFill>
+                  <a:latin typeface="roboto"/>
+                </a:rPr>
+                <a:t>tp</a:t>
+              </a:r>
+              <a:r>
+                <a:rPr lang="en-US" sz="2000" dirty="0">
+                  <a:solidFill>
+                    <a:srgbClr val="707070"/>
+                  </a:solidFill>
+                  <a:latin typeface="roboto"/>
+                </a:rPr>
+                <a:t> land in HDFS.</a:t>
+              </a:r>
+            </a:p>
+            <a:p>
+              <a:pPr marL="800100" lvl="1" indent="-342900">
+                <a:buFont typeface="Arial" panose="020B0604020202020204" pitchFamily="34" charset="0"/>
+                <a:buChar char="•"/>
+              </a:pPr>
+              <a:r>
+                <a:rPr lang="en-US" sz="2000" b="0" i="0" dirty="0" err="1">
+                  <a:solidFill>
+                    <a:srgbClr val="707070"/>
+                  </a:solidFill>
+                  <a:effectLst/>
+                  <a:latin typeface="roboto"/>
+                </a:rPr>
+                <a:t>NameHive</a:t>
+              </a:r>
+              <a:r>
+                <a:rPr lang="en-US" sz="2000" dirty="0" err="1">
+                  <a:solidFill>
+                    <a:srgbClr val="707070"/>
+                  </a:solidFill>
+                  <a:latin typeface="roboto"/>
+                </a:rPr>
+                <a:t>PartitionSensor</a:t>
+              </a:r>
+              <a:r>
+                <a:rPr lang="en-US" sz="2000" dirty="0">
+                  <a:solidFill>
+                    <a:srgbClr val="707070"/>
+                  </a:solidFill>
+                  <a:latin typeface="roboto"/>
+                </a:rPr>
+                <a:t>: Check whether the most recent partition of a Hive table is available for downstream processing.</a:t>
+              </a:r>
+            </a:p>
+            <a:p>
+              <a:pPr marL="342900" lvl="1" indent="-342900">
+                <a:buFont typeface="Arial" panose="020B0604020202020204" pitchFamily="34" charset="0"/>
+                <a:buChar char="•"/>
+              </a:pPr>
+              <a:r>
+                <a:rPr lang="en-US" sz="2000" dirty="0">
+                  <a:solidFill>
+                    <a:srgbClr val="707070"/>
+                  </a:solidFill>
+                  <a:latin typeface="roboto"/>
+                </a:rPr>
+                <a:t>Operators: triggers a certain action</a:t>
+              </a:r>
+            </a:p>
+            <a:p>
+              <a:pPr marL="800100" lvl="2" indent="-342900">
+                <a:buFont typeface="Arial" panose="020B0604020202020204" pitchFamily="34" charset="0"/>
+                <a:buChar char="•"/>
+              </a:pPr>
+              <a:r>
+                <a:rPr lang="en-US" sz="2000" dirty="0" err="1">
+                  <a:solidFill>
+                    <a:srgbClr val="707070"/>
+                  </a:solidFill>
+                  <a:latin typeface="roboto"/>
+                </a:rPr>
+                <a:t>BashOperator</a:t>
+              </a:r>
+              <a:r>
+                <a:rPr lang="en-US" sz="2000" dirty="0">
+                  <a:solidFill>
+                    <a:srgbClr val="707070"/>
+                  </a:solidFill>
+                  <a:latin typeface="roboto"/>
+                </a:rPr>
+                <a:t>: execute a bash command</a:t>
+              </a:r>
+            </a:p>
+            <a:p>
+              <a:pPr marL="800100" lvl="2" indent="-342900">
+                <a:buFont typeface="Arial" panose="020B0604020202020204" pitchFamily="34" charset="0"/>
+                <a:buChar char="•"/>
+              </a:pPr>
+              <a:r>
+                <a:rPr lang="en-US" sz="2000" dirty="0" err="1">
+                  <a:solidFill>
+                    <a:srgbClr val="707070"/>
+                  </a:solidFill>
+                  <a:latin typeface="roboto"/>
+                </a:rPr>
+                <a:t>PythonOperator</a:t>
+              </a:r>
+              <a:r>
+                <a:rPr lang="en-US" sz="2000" dirty="0">
+                  <a:solidFill>
+                    <a:srgbClr val="707070"/>
+                  </a:solidFill>
+                  <a:latin typeface="roboto"/>
+                </a:rPr>
+                <a:t>: calls an arbitrary Python function</a:t>
+              </a:r>
+            </a:p>
+            <a:p>
+              <a:pPr marL="342900" lvl="2" indent="-342900">
+                <a:buFont typeface="Arial" panose="020B0604020202020204" pitchFamily="34" charset="0"/>
+                <a:buChar char="•"/>
+              </a:pPr>
+              <a:r>
+                <a:rPr lang="en-US" sz="2000" dirty="0">
+                  <a:solidFill>
+                    <a:srgbClr val="707070"/>
+                  </a:solidFill>
+                  <a:latin typeface="roboto"/>
+                </a:rPr>
+                <a:t>Transfers: moves date from one location to another.</a:t>
+              </a:r>
+            </a:p>
+            <a:p>
+              <a:pPr marL="800100" lvl="3" indent="-342900">
+                <a:buFont typeface="Arial" panose="020B0604020202020204" pitchFamily="34" charset="0"/>
+                <a:buChar char="•"/>
+              </a:pPr>
+              <a:r>
+                <a:rPr lang="en-US" sz="2000" dirty="0" err="1">
+                  <a:solidFill>
+                    <a:srgbClr val="707070"/>
+                  </a:solidFill>
+                  <a:latin typeface="roboto"/>
+                </a:rPr>
+                <a:t>MySqlToHiveTransfer</a:t>
+              </a:r>
+              <a:r>
+                <a:rPr lang="en-US" sz="2000" dirty="0">
+                  <a:solidFill>
+                    <a:srgbClr val="707070"/>
+                  </a:solidFill>
+                  <a:latin typeface="roboto"/>
+                </a:rPr>
+                <a:t>: Moves date from MySQL to Hive</a:t>
+              </a:r>
+            </a:p>
+            <a:p>
+              <a:pPr marL="800100" lvl="3" indent="-342900">
+                <a:buFont typeface="Arial" panose="020B0604020202020204" pitchFamily="34" charset="0"/>
+                <a:buChar char="•"/>
+              </a:pPr>
+              <a:r>
+                <a:rPr lang="en-US" sz="2000" dirty="0">
+                  <a:solidFill>
+                    <a:srgbClr val="707070"/>
+                  </a:solidFill>
+                  <a:latin typeface="roboto"/>
+                </a:rPr>
+                <a:t>S3ToRedshiftTransfer: Load files from S3 to Redshift</a:t>
+              </a:r>
+            </a:p>
+            <a:p>
+              <a:pPr marL="800100" lvl="1" indent="-342900">
+                <a:buFont typeface="Arial" panose="020B0604020202020204" pitchFamily="34" charset="0"/>
+                <a:buChar char="•"/>
+              </a:pPr>
+              <a:endParaRPr lang="en-US" sz="2000" dirty="0">
+                <a:solidFill>
+                  <a:srgbClr val="707070"/>
+                </a:solidFill>
+                <a:latin typeface="roboto"/>
+              </a:endParaRPr>
+            </a:p>
+          </p:txBody>
+        </p:sp>
+      </p:grpSp>
+      <p:pic>
+        <p:nvPicPr>
+          <p:cNvPr id="5" name="Picture 4">
+            <a:extLst>
+              <a:ext uri="{FF2B5EF4-FFF2-40B4-BE49-F238E27FC236}">
+                <a16:creationId xmlns:a16="http://schemas.microsoft.com/office/drawing/2014/main" id="{109A88D2-106A-4FCC-948C-EC44E7FA029E}"/>
+              </a:ext>
+            </a:extLst>
+          </p:cNvPr>
+          <p:cNvPicPr>
+            <a:picLocks noChangeAspect="1"/>
+          </p:cNvPicPr>
+          <p:nvPr/>
+        </p:nvPicPr>
+        <p:blipFill>
+          <a:blip r:embed="rId2"/>
+          <a:stretch>
+            <a:fillRect/>
+          </a:stretch>
+        </p:blipFill>
+        <p:spPr>
+          <a:xfrm>
+            <a:off x="10944599" y="198118"/>
+            <a:ext cx="1006768" cy="386768"/>
+          </a:xfrm>
+          <a:prstGeom prst="rect">
+            <a:avLst/>
+          </a:prstGeom>
+        </p:spPr>
+      </p:pic>
+    </p:spTree>
+    <p:extLst>
+      <p:ext uri="{BB962C8B-B14F-4D97-AF65-F5344CB8AC3E}">
+        <p14:creationId xmlns:p14="http://schemas.microsoft.com/office/powerpoint/2010/main" val="1792920178"/>
+      </p:ext>
+    </p:extLst>
+  </p:cSld>
+  <p:clrMapOvr>
+    <a:masterClrMapping/>
+  </p:clrMapOvr>
+</p:sld>
+</file>
+
+<file path=ppt/slides/slide8.xml><?xml version="1.0" encoding="utf-8"?>
+<p:sld xmlns:a="http://schemas.openxmlformats.org/drawingml/2006/main" xmlns:r="http://schemas.openxmlformats.org/officeDocument/2006/relationships" xmlns:p="http://schemas.openxmlformats.org/presentationml/2006/main">
+  <p:cSld>
+    <p:spTree>
+      <p:nvGrpSpPr>
+        <p:cNvPr id="1" name=""/>
+        <p:cNvGrpSpPr/>
+        <p:nvPr/>
+      </p:nvGrpSpPr>
+      <p:grpSpPr>
+        <a:xfrm>
+          <a:off x="0" y="0"/>
+          <a:ext cx="0" cy="0"/>
+          <a:chOff x="0" y="0"/>
+          <a:chExt cx="0" cy="0"/>
+        </a:xfrm>
+      </p:grpSpPr>
+      <p:grpSp>
+        <p:nvGrpSpPr>
+          <p:cNvPr id="2" name="Group 1">
+            <a:extLst>
+              <a:ext uri="{FF2B5EF4-FFF2-40B4-BE49-F238E27FC236}">
+                <a16:creationId xmlns:a16="http://schemas.microsoft.com/office/drawing/2014/main" id="{1CF03778-D19B-41AE-85CB-8E98D772007F}"/>
+              </a:ext>
+            </a:extLst>
+          </p:cNvPr>
+          <p:cNvGrpSpPr/>
+          <p:nvPr/>
+        </p:nvGrpSpPr>
+        <p:grpSpPr>
+          <a:xfrm>
             <a:off x="1536357" y="1542129"/>
             <a:ext cx="9372275" cy="4081520"/>
             <a:chOff x="1536357" y="2311570"/>
@@ -4780,7 +5502,7 @@
 </p:sld>
 </file>
 
-<file path=ppt/slides/slide7.xml><?xml version="1.0" encoding="utf-8"?>
+<file path=ppt/slides/slide9.xml><?xml version="1.0" encoding="utf-8"?>
 <p:sld xmlns:a="http://schemas.openxmlformats.org/drawingml/2006/main" xmlns:r="http://schemas.openxmlformats.org/officeDocument/2006/relationships" xmlns:p="http://schemas.openxmlformats.org/presentationml/2006/main">
   <p:cSld>
     <p:spTree>
@@ -5415,79 +6137,6 @@
 </p:sld>
 </file>
 
-<file path=ppt/slides/slide8.xml><?xml version="1.0" encoding="utf-8"?>
-<p:sld xmlns:a="http://schemas.openxmlformats.org/drawingml/2006/main" xmlns:r="http://schemas.openxmlformats.org/officeDocument/2006/relationships" xmlns:p="http://schemas.openxmlformats.org/presentationml/2006/main">
-  <p:cSld>
-    <p:spTree>
-      <p:nvGrpSpPr>
-        <p:cNvPr id="1" name=""/>
-        <p:cNvGrpSpPr/>
-        <p:nvPr/>
-      </p:nvGrpSpPr>
-      <p:grpSpPr>
-        <a:xfrm>
-          <a:off x="0" y="0"/>
-          <a:ext cx="0" cy="0"/>
-          <a:chOff x="0" y="0"/>
-          <a:chExt cx="0" cy="0"/>
-        </a:xfrm>
-      </p:grpSpPr>
-      <p:sp>
-        <p:nvSpPr>
-          <p:cNvPr id="3" name="TextBox 2">
-            <a:extLst>
-              <a:ext uri="{FF2B5EF4-FFF2-40B4-BE49-F238E27FC236}">
-                <a16:creationId xmlns:a16="http://schemas.microsoft.com/office/drawing/2014/main" id="{5549798D-202A-4EE6-B5DD-BE25C8E459C2}"/>
-              </a:ext>
-            </a:extLst>
-          </p:cNvPr>
-          <p:cNvSpPr txBox="1"/>
-          <p:nvPr/>
-        </p:nvSpPr>
-        <p:spPr>
-          <a:xfrm>
-            <a:off x="5008605" y="2921169"/>
-            <a:ext cx="2174790" cy="1015663"/>
-          </a:xfrm>
-          <a:prstGeom prst="rect">
-            <a:avLst/>
-          </a:prstGeom>
-          <a:noFill/>
-        </p:spPr>
-        <p:txBody>
-          <a:bodyPr wrap="square" rtlCol="0">
-            <a:spAutoFit/>
-          </a:bodyPr>
-          <a:lstStyle/>
-          <a:p>
-            <a:pPr algn="ctr"/>
-            <a:r>
-              <a:rPr lang="en-US" sz="6000" dirty="0">
-                <a:solidFill>
-                  <a:srgbClr val="51504F"/>
-                </a:solidFill>
-                <a:latin typeface="rubik"/>
-                <a:ea typeface="+mj-ea"/>
-                <a:cs typeface="+mj-cs"/>
-              </a:rPr>
-              <a:t>Demo</a:t>
-            </a:r>
-          </a:p>
-        </p:txBody>
-      </p:sp>
-    </p:spTree>
-    <p:extLst>
-      <p:ext uri="{BB962C8B-B14F-4D97-AF65-F5344CB8AC3E}">
-        <p14:creationId xmlns:p14="http://schemas.microsoft.com/office/powerpoint/2010/main" val="2951111268"/>
-      </p:ext>
-    </p:extLst>
-  </p:cSld>
-  <p:clrMapOvr>
-    <a:masterClrMapping/>
-  </p:clrMapOvr>
-</p:sld>
-</file>
-
 <file path=ppt/theme/theme1.xml><?xml version="1.0" encoding="utf-8"?>
 <a:theme xmlns:a="http://schemas.openxmlformats.org/drawingml/2006/main" name="Office Theme">
   <a:themeElements>
